--- a/BaoCao/BaoCao.pptx
+++ b/BaoCao/BaoCao.pptx
@@ -215,7 +215,7 @@
           <a:p>
             <a:fld id="{5F3C816B-6264-4CFF-B007-776089C8006A}" type="datetimeFigureOut">
               <a:rPr lang="en-US" smtClean="0"/>
-              <a:t>9/29/2017</a:t>
+              <a:t>9/30/2017</a:t>
             </a:fld>
             <a:endParaRPr lang="en-US"/>
           </a:p>
@@ -664,7 +664,7 @@
           <a:p>
             <a:fld id="{8262F83D-21AC-4462-A57F-A062BBC2BA25}" type="datetimeFigureOut">
               <a:rPr lang="en-US" smtClean="0"/>
-              <a:t>9/29/2017</a:t>
+              <a:t>9/30/2017</a:t>
             </a:fld>
             <a:endParaRPr lang="en-US"/>
           </a:p>
@@ -841,7 +841,7 @@
           <a:p>
             <a:fld id="{8262F83D-21AC-4462-A57F-A062BBC2BA25}" type="datetimeFigureOut">
               <a:rPr lang="en-US" smtClean="0"/>
-              <a:t>9/29/2017</a:t>
+              <a:t>9/30/2017</a:t>
             </a:fld>
             <a:endParaRPr lang="en-US"/>
           </a:p>
@@ -1028,7 +1028,7 @@
           <a:p>
             <a:fld id="{8262F83D-21AC-4462-A57F-A062BBC2BA25}" type="datetimeFigureOut">
               <a:rPr lang="en-US" smtClean="0"/>
-              <a:t>9/29/2017</a:t>
+              <a:t>9/30/2017</a:t>
             </a:fld>
             <a:endParaRPr lang="en-US"/>
           </a:p>
@@ -1205,7 +1205,7 @@
           <a:p>
             <a:fld id="{8262F83D-21AC-4462-A57F-A062BBC2BA25}" type="datetimeFigureOut">
               <a:rPr lang="en-US" smtClean="0"/>
-              <a:t>9/29/2017</a:t>
+              <a:t>9/30/2017</a:t>
             </a:fld>
             <a:endParaRPr lang="en-US"/>
           </a:p>
@@ -1458,7 +1458,7 @@
           <a:p>
             <a:fld id="{8262F83D-21AC-4462-A57F-A062BBC2BA25}" type="datetimeFigureOut">
               <a:rPr lang="en-US" smtClean="0"/>
-              <a:t>9/29/2017</a:t>
+              <a:t>9/30/2017</a:t>
             </a:fld>
             <a:endParaRPr lang="en-US"/>
           </a:p>
@@ -1753,7 +1753,7 @@
           <a:p>
             <a:fld id="{8262F83D-21AC-4462-A57F-A062BBC2BA25}" type="datetimeFigureOut">
               <a:rPr lang="en-US" smtClean="0"/>
-              <a:t>9/29/2017</a:t>
+              <a:t>9/30/2017</a:t>
             </a:fld>
             <a:endParaRPr lang="en-US"/>
           </a:p>
@@ -2182,7 +2182,7 @@
           <a:p>
             <a:fld id="{8262F83D-21AC-4462-A57F-A062BBC2BA25}" type="datetimeFigureOut">
               <a:rPr lang="en-US" smtClean="0"/>
-              <a:t>9/29/2017</a:t>
+              <a:t>9/30/2017</a:t>
             </a:fld>
             <a:endParaRPr lang="en-US"/>
           </a:p>
@@ -2324,7 +2324,7 @@
           <a:p>
             <a:fld id="{8262F83D-21AC-4462-A57F-A062BBC2BA25}" type="datetimeFigureOut">
               <a:rPr lang="en-US" smtClean="0"/>
-              <a:t>9/29/2017</a:t>
+              <a:t>9/30/2017</a:t>
             </a:fld>
             <a:endParaRPr lang="en-US"/>
           </a:p>
@@ -2426,7 +2426,7 @@
           <a:p>
             <a:fld id="{8262F83D-21AC-4462-A57F-A062BBC2BA25}" type="datetimeFigureOut">
               <a:rPr lang="en-US" smtClean="0"/>
-              <a:t>9/29/2017</a:t>
+              <a:t>9/30/2017</a:t>
             </a:fld>
             <a:endParaRPr lang="en-US"/>
           </a:p>
@@ -2710,7 +2710,7 @@
           <a:p>
             <a:fld id="{8262F83D-21AC-4462-A57F-A062BBC2BA25}" type="datetimeFigureOut">
               <a:rPr lang="en-US" smtClean="0"/>
-              <a:t>9/29/2017</a:t>
+              <a:t>9/30/2017</a:t>
             </a:fld>
             <a:endParaRPr lang="en-US"/>
           </a:p>
@@ -2970,7 +2970,7 @@
           <a:p>
             <a:fld id="{8262F83D-21AC-4462-A57F-A062BBC2BA25}" type="datetimeFigureOut">
               <a:rPr lang="en-US" smtClean="0"/>
-              <a:t>9/29/2017</a:t>
+              <a:t>9/30/2017</a:t>
             </a:fld>
             <a:endParaRPr lang="en-US"/>
           </a:p>
@@ -3190,7 +3190,7 @@
           <a:p>
             <a:fld id="{8262F83D-21AC-4462-A57F-A062BBC2BA25}" type="datetimeFigureOut">
               <a:rPr lang="en-US" smtClean="0"/>
-              <a:t>9/29/2017</a:t>
+              <a:t>9/30/2017</a:t>
             </a:fld>
             <a:endParaRPr lang="en-US"/>
           </a:p>
@@ -4038,12 +4038,29 @@
                 <a:latin typeface="Segoe UI Light" pitchFamily="34" charset="0"/>
                 <a:cs typeface="Segoe UI Light" pitchFamily="34" charset="0"/>
               </a:rPr>
-              <a:t>, Nov 12 2017</a:t>
-            </a:r>
-            <a:endParaRPr lang="en-US" sz="2800" dirty="0">
-              <a:latin typeface="Segoe UI Light" pitchFamily="34" charset="0"/>
-              <a:cs typeface="Segoe UI Light" pitchFamily="34" charset="0"/>
-            </a:endParaRPr>
+              <a:t>, </a:t>
+            </a:r>
+            <a:r>
+              <a:rPr lang="en-US" sz="2800">
+                <a:latin typeface="Segoe UI Light" pitchFamily="34" charset="0"/>
+                <a:cs typeface="Segoe UI Light" pitchFamily="34" charset="0"/>
+              </a:rPr>
+              <a:t>Nov </a:t>
+            </a:r>
+            <a:r>
+              <a:rPr lang="en-US" sz="2800" smtClean="0">
+                <a:latin typeface="Segoe UI Light" pitchFamily="34" charset="0"/>
+                <a:cs typeface="Segoe UI Light" pitchFamily="34" charset="0"/>
+              </a:rPr>
+              <a:t>2 </a:t>
+            </a:r>
+            <a:r>
+              <a:rPr lang="en-US" sz="2800" dirty="0">
+                <a:latin typeface="Segoe UI Light" pitchFamily="34" charset="0"/>
+                <a:cs typeface="Segoe UI Light" pitchFamily="34" charset="0"/>
+              </a:rPr>
+              <a:t>2017</a:t>
+            </a:r>
           </a:p>
         </p:txBody>
       </p:sp>
@@ -7017,6 +7034,44 @@
               </a:rPr>
               <a:t>:</a:t>
             </a:r>
+          </a:p>
+          <a:p>
+            <a:pPr marL="625475" indent="-396875">
+              <a:spcBef>
+                <a:spcPts val="1200"/>
+              </a:spcBef>
+              <a:buClr>
+                <a:srgbClr val="00B404"/>
+              </a:buClr>
+              <a:buFont typeface="Segoe UI Light" pitchFamily="34" charset="0"/>
+              <a:buChar char="■"/>
+            </a:pPr>
+            <a:r>
+              <a:rPr lang="en-US" sz="2000" dirty="0" smtClean="0">
+                <a:solidFill>
+                  <a:schemeClr val="tx1">
+                    <a:lumMod val="75000"/>
+                    <a:lumOff val="25000"/>
+                  </a:schemeClr>
+                </a:solidFill>
+                <a:latin typeface="Segoe UI Light" pitchFamily="34" charset="0"/>
+                <a:cs typeface="Segoe UI Light" pitchFamily="34" charset="0"/>
+              </a:rPr>
+              <a:t>Hosting </a:t>
+            </a:r>
+            <a:r>
+              <a:rPr lang="en-US" sz="2000" dirty="0" err="1" smtClean="0">
+                <a:solidFill>
+                  <a:schemeClr val="tx1">
+                    <a:lumMod val="75000"/>
+                    <a:lumOff val="25000"/>
+                  </a:schemeClr>
+                </a:solidFill>
+                <a:latin typeface="Segoe UI Light" pitchFamily="34" charset="0"/>
+                <a:cs typeface="Segoe UI Light" pitchFamily="34" charset="0"/>
+              </a:rPr>
+              <a:t>riêng</a:t>
+            </a:r>
             <a:endParaRPr lang="en-US" sz="2000" dirty="0" smtClean="0">
               <a:solidFill>
                 <a:schemeClr val="tx1">
@@ -7030,9 +7085,6 @@
           </a:p>
           <a:p>
             <a:pPr marL="625475" indent="-396875">
-              <a:spcBef>
-                <a:spcPts val="1200"/>
-              </a:spcBef>
               <a:buClr>
                 <a:srgbClr val="00B404"/>
               </a:buClr>
@@ -7050,7 +7102,7 @@
                 <a:latin typeface="Segoe UI Light" pitchFamily="34" charset="0"/>
                 <a:cs typeface="Segoe UI Light" pitchFamily="34" charset="0"/>
               </a:rPr>
-              <a:t>Hosting </a:t>
+              <a:t>5 </a:t>
             </a:r>
             <a:r>
               <a:rPr lang="en-US" sz="2000" dirty="0" err="1" smtClean="0">
@@ -7063,7 +7115,33 @@
                 <a:latin typeface="Segoe UI Light" pitchFamily="34" charset="0"/>
                 <a:cs typeface="Segoe UI Light" pitchFamily="34" charset="0"/>
               </a:rPr>
-              <a:t>riêng</a:t>
+              <a:t>máy</a:t>
+            </a:r>
+            <a:r>
+              <a:rPr lang="en-US" sz="2000" dirty="0" smtClean="0">
+                <a:solidFill>
+                  <a:schemeClr val="tx1">
+                    <a:lumMod val="75000"/>
+                    <a:lumOff val="25000"/>
+                  </a:schemeClr>
+                </a:solidFill>
+                <a:latin typeface="Segoe UI Light" pitchFamily="34" charset="0"/>
+                <a:cs typeface="Segoe UI Light" pitchFamily="34" charset="0"/>
+              </a:rPr>
+              <a:t> </a:t>
+            </a:r>
+            <a:r>
+              <a:rPr lang="en-US" sz="2000" dirty="0" err="1" smtClean="0">
+                <a:solidFill>
+                  <a:schemeClr val="tx1">
+                    <a:lumMod val="75000"/>
+                    <a:lumOff val="25000"/>
+                  </a:schemeClr>
+                </a:solidFill>
+                <a:latin typeface="Segoe UI Light" pitchFamily="34" charset="0"/>
+                <a:cs typeface="Segoe UI Light" pitchFamily="34" charset="0"/>
+              </a:rPr>
+              <a:t>tính</a:t>
             </a:r>
             <a:endParaRPr lang="en-US" sz="2000" dirty="0" smtClean="0">
               <a:solidFill>
@@ -7095,7 +7173,7 @@
                 <a:latin typeface="Segoe UI Light" pitchFamily="34" charset="0"/>
                 <a:cs typeface="Segoe UI Light" pitchFamily="34" charset="0"/>
               </a:rPr>
-              <a:t>5 </a:t>
+              <a:t>1 </a:t>
             </a:r>
             <a:r>
               <a:rPr lang="en-US" sz="2000" dirty="0" err="1" smtClean="0">
@@ -7121,89 +7199,8 @@
                 <a:latin typeface="Segoe UI Light" pitchFamily="34" charset="0"/>
                 <a:cs typeface="Segoe UI Light" pitchFamily="34" charset="0"/>
               </a:rPr>
-              <a:t> </a:t>
-            </a:r>
-            <a:r>
-              <a:rPr lang="en-US" sz="2000" dirty="0" err="1" smtClean="0">
-                <a:solidFill>
-                  <a:schemeClr val="tx1">
-                    <a:lumMod val="75000"/>
-                    <a:lumOff val="25000"/>
-                  </a:schemeClr>
-                </a:solidFill>
-                <a:latin typeface="Segoe UI Light" pitchFamily="34" charset="0"/>
-                <a:cs typeface="Segoe UI Light" pitchFamily="34" charset="0"/>
-              </a:rPr>
-              <a:t>tính</a:t>
-            </a:r>
-            <a:endParaRPr lang="en-US" sz="2000" dirty="0" smtClean="0">
-              <a:solidFill>
-                <a:schemeClr val="tx1">
-                  <a:lumMod val="75000"/>
-                  <a:lumOff val="25000"/>
-                </a:schemeClr>
-              </a:solidFill>
-              <a:latin typeface="Segoe UI Light" pitchFamily="34" charset="0"/>
-              <a:cs typeface="Segoe UI Light" pitchFamily="34" charset="0"/>
-            </a:endParaRPr>
-          </a:p>
-          <a:p>
-            <a:pPr marL="625475" indent="-396875">
-              <a:buClr>
-                <a:srgbClr val="00B404"/>
-              </a:buClr>
-              <a:buFont typeface="Segoe UI Light" pitchFamily="34" charset="0"/>
-              <a:buChar char="■"/>
-            </a:pPr>
-            <a:r>
-              <a:rPr lang="en-US" sz="2000" dirty="0" smtClean="0">
-                <a:solidFill>
-                  <a:schemeClr val="tx1">
-                    <a:lumMod val="75000"/>
-                    <a:lumOff val="25000"/>
-                  </a:schemeClr>
-                </a:solidFill>
-                <a:latin typeface="Segoe UI Light" pitchFamily="34" charset="0"/>
-                <a:cs typeface="Segoe UI Light" pitchFamily="34" charset="0"/>
-              </a:rPr>
-              <a:t>1 </a:t>
-            </a:r>
-            <a:r>
-              <a:rPr lang="en-US" sz="2000" dirty="0" err="1" smtClean="0">
-                <a:solidFill>
-                  <a:schemeClr val="tx1">
-                    <a:lumMod val="75000"/>
-                    <a:lumOff val="25000"/>
-                  </a:schemeClr>
-                </a:solidFill>
-                <a:latin typeface="Segoe UI Light" pitchFamily="34" charset="0"/>
-                <a:cs typeface="Segoe UI Light" pitchFamily="34" charset="0"/>
-              </a:rPr>
-              <a:t>máy</a:t>
-            </a:r>
-            <a:r>
-              <a:rPr lang="en-US" sz="2000" dirty="0" smtClean="0">
-                <a:solidFill>
-                  <a:schemeClr val="tx1">
-                    <a:lumMod val="75000"/>
-                    <a:lumOff val="25000"/>
-                  </a:schemeClr>
-                </a:solidFill>
-                <a:latin typeface="Segoe UI Light" pitchFamily="34" charset="0"/>
-                <a:cs typeface="Segoe UI Light" pitchFamily="34" charset="0"/>
-              </a:rPr>
               <a:t> in</a:t>
             </a:r>
-            <a:endParaRPr lang="en-US" sz="2000" dirty="0" smtClean="0">
-              <a:solidFill>
-                <a:schemeClr val="tx1">
-                  <a:lumMod val="75000"/>
-                  <a:lumOff val="25000"/>
-                </a:schemeClr>
-              </a:solidFill>
-              <a:latin typeface="Segoe UI Light" pitchFamily="34" charset="0"/>
-              <a:cs typeface="Segoe UI Light" pitchFamily="34" charset="0"/>
-            </a:endParaRPr>
           </a:p>
           <a:p>
             <a:pPr marL="625475" indent="-396875">
@@ -9726,20 +9723,7 @@
                 <a:latin typeface="Segoe UI Light" pitchFamily="34" charset="0"/>
                 <a:cs typeface="Segoe UI Light" pitchFamily="34" charset="0"/>
               </a:rPr>
-              <a:t> </a:t>
-            </a:r>
-            <a:r>
-              <a:rPr lang="en-US" sz="2000" dirty="0" smtClean="0">
-                <a:solidFill>
-                  <a:schemeClr val="tx1">
-                    <a:lumMod val="75000"/>
-                    <a:lumOff val="25000"/>
-                  </a:schemeClr>
-                </a:solidFill>
-                <a:latin typeface="Segoe UI Light" pitchFamily="34" charset="0"/>
-                <a:cs typeface="Segoe UI Light" pitchFamily="34" charset="0"/>
-              </a:rPr>
-              <a:t>năng phản hồi</a:t>
+              <a:t> năng phản hồi</a:t>
             </a:r>
           </a:p>
           <a:p>
